--- a/PRESENTATION/OC_TANNER_ASSIGNMENT_PPT.pptx
+++ b/PRESENTATION/OC_TANNER_ASSIGNMENT_PPT.pptx
@@ -4820,13 +4820,17 @@
           <a:p>
             <a:r>
               <a:rPr lang="en-US" dirty="0" smtClean="0"/>
-              <a:t>Link : </a:t>
+              <a:t>Link </a:t>
+            </a:r>
+            <a:r>
+              <a:rPr lang="en-US" dirty="0" smtClean="0"/>
+              <a:t>: </a:t>
             </a:r>
             <a:r>
               <a:rPr lang="en-US" dirty="0" smtClean="0">
                 <a:hlinkClick r:id="rId2"/>
               </a:rPr>
-              <a:t>https://gopaltiwari7.github.io/OC_Tanner_Assignment/cricketAcademy</a:t>
+              <a:t>https://gopaltiwari7.github.io/OC_Tanner_Assignment/Signup.html</a:t>
             </a:r>
             <a:endParaRPr lang="en-US" dirty="0"/>
           </a:p>
